--- a/graduation_thesis/BIT-thesis-template-grd/figures/c5/c5.pptx
+++ b/graduation_thesis/BIT-thesis-template-grd/figures/c5/c5.pptx
@@ -7,6 +7,7 @@
   <p:sldIdLst>
     <p:sldId id="256" r:id="rId2"/>
     <p:sldId id="257" r:id="rId3"/>
+    <p:sldId id="258" r:id="rId4"/>
   </p:sldIdLst>
   <p:sldSz cx="12192000" cy="6858000"/>
   <p:notesSz cx="6858000" cy="9144000"/>
@@ -105,6 +106,11 @@
       </a:defRPr>
     </a:lvl9pPr>
   </p:defaultTextStyle>
+  <p:extLst>
+    <p:ext uri="{EFAFB233-063F-42B5-8137-9DF3F51BA10A}">
+      <p15:sldGuideLst xmlns:p15="http://schemas.microsoft.com/office/powerpoint/2012/main"/>
+    </p:ext>
+  </p:extLst>
 </p:presentation>
 </file>
 
@@ -255,7 +261,7 @@
           <a:p>
             <a:fld id="{A8F80009-123B-4441-AEF8-BE983F1542DB}" type="datetimeFigureOut">
               <a:rPr lang="zh-CN" altLang="en-US" smtClean="0"/>
-              <a:t>2020/3/27</a:t>
+              <a:t>2020/4/5</a:t>
             </a:fld>
             <a:endParaRPr lang="zh-CN" altLang="en-US"/>
           </a:p>
@@ -453,7 +459,7 @@
           <a:p>
             <a:fld id="{A8F80009-123B-4441-AEF8-BE983F1542DB}" type="datetimeFigureOut">
               <a:rPr lang="zh-CN" altLang="en-US" smtClean="0"/>
-              <a:t>2020/3/27</a:t>
+              <a:t>2020/4/5</a:t>
             </a:fld>
             <a:endParaRPr lang="zh-CN" altLang="en-US"/>
           </a:p>
@@ -661,7 +667,7 @@
           <a:p>
             <a:fld id="{A8F80009-123B-4441-AEF8-BE983F1542DB}" type="datetimeFigureOut">
               <a:rPr lang="zh-CN" altLang="en-US" smtClean="0"/>
-              <a:t>2020/3/27</a:t>
+              <a:t>2020/4/5</a:t>
             </a:fld>
             <a:endParaRPr lang="zh-CN" altLang="en-US"/>
           </a:p>
@@ -859,7 +865,7 @@
           <a:p>
             <a:fld id="{A8F80009-123B-4441-AEF8-BE983F1542DB}" type="datetimeFigureOut">
               <a:rPr lang="zh-CN" altLang="en-US" smtClean="0"/>
-              <a:t>2020/3/27</a:t>
+              <a:t>2020/4/5</a:t>
             </a:fld>
             <a:endParaRPr lang="zh-CN" altLang="en-US"/>
           </a:p>
@@ -1134,7 +1140,7 @@
           <a:p>
             <a:fld id="{A8F80009-123B-4441-AEF8-BE983F1542DB}" type="datetimeFigureOut">
               <a:rPr lang="zh-CN" altLang="en-US" smtClean="0"/>
-              <a:t>2020/3/27</a:t>
+              <a:t>2020/4/5</a:t>
             </a:fld>
             <a:endParaRPr lang="zh-CN" altLang="en-US"/>
           </a:p>
@@ -1399,7 +1405,7 @@
           <a:p>
             <a:fld id="{A8F80009-123B-4441-AEF8-BE983F1542DB}" type="datetimeFigureOut">
               <a:rPr lang="zh-CN" altLang="en-US" smtClean="0"/>
-              <a:t>2020/3/27</a:t>
+              <a:t>2020/4/5</a:t>
             </a:fld>
             <a:endParaRPr lang="zh-CN" altLang="en-US"/>
           </a:p>
@@ -1811,7 +1817,7 @@
           <a:p>
             <a:fld id="{A8F80009-123B-4441-AEF8-BE983F1542DB}" type="datetimeFigureOut">
               <a:rPr lang="zh-CN" altLang="en-US" smtClean="0"/>
-              <a:t>2020/3/27</a:t>
+              <a:t>2020/4/5</a:t>
             </a:fld>
             <a:endParaRPr lang="zh-CN" altLang="en-US"/>
           </a:p>
@@ -1952,7 +1958,7 @@
           <a:p>
             <a:fld id="{A8F80009-123B-4441-AEF8-BE983F1542DB}" type="datetimeFigureOut">
               <a:rPr lang="zh-CN" altLang="en-US" smtClean="0"/>
-              <a:t>2020/3/27</a:t>
+              <a:t>2020/4/5</a:t>
             </a:fld>
             <a:endParaRPr lang="zh-CN" altLang="en-US"/>
           </a:p>
@@ -2065,7 +2071,7 @@
           <a:p>
             <a:fld id="{A8F80009-123B-4441-AEF8-BE983F1542DB}" type="datetimeFigureOut">
               <a:rPr lang="zh-CN" altLang="en-US" smtClean="0"/>
-              <a:t>2020/3/27</a:t>
+              <a:t>2020/4/5</a:t>
             </a:fld>
             <a:endParaRPr lang="zh-CN" altLang="en-US"/>
           </a:p>
@@ -2376,7 +2382,7 @@
           <a:p>
             <a:fld id="{A8F80009-123B-4441-AEF8-BE983F1542DB}" type="datetimeFigureOut">
               <a:rPr lang="zh-CN" altLang="en-US" smtClean="0"/>
-              <a:t>2020/3/27</a:t>
+              <a:t>2020/4/5</a:t>
             </a:fld>
             <a:endParaRPr lang="zh-CN" altLang="en-US"/>
           </a:p>
@@ -2664,7 +2670,7 @@
           <a:p>
             <a:fld id="{A8F80009-123B-4441-AEF8-BE983F1542DB}" type="datetimeFigureOut">
               <a:rPr lang="zh-CN" altLang="en-US" smtClean="0"/>
-              <a:t>2020/3/27</a:t>
+              <a:t>2020/4/5</a:t>
             </a:fld>
             <a:endParaRPr lang="zh-CN" altLang="en-US"/>
           </a:p>
@@ -2905,7 +2911,7 @@
           <a:p>
             <a:fld id="{A8F80009-123B-4441-AEF8-BE983F1542DB}" type="datetimeFigureOut">
               <a:rPr lang="zh-CN" altLang="en-US" smtClean="0"/>
-              <a:t>2020/3/27</a:t>
+              <a:t>2020/4/5</a:t>
             </a:fld>
             <a:endParaRPr lang="zh-CN" altLang="en-US"/>
           </a:p>
@@ -3430,7 +3436,7 @@
           <a:graphicData uri="http://schemas.openxmlformats.org/presentationml/2006/ole">
             <mc:AlternateContent xmlns:mc="http://schemas.openxmlformats.org/markup-compatibility/2006">
               <mc:Choice xmlns:v="urn:schemas-microsoft-com:vml" Requires="v">
-                <p:oleObj spid="_x0000_s1045" name="Equation" r:id="rId4" imgW="685800" imgH="241200" progId="Equation.DSMT4">
+                <p:oleObj spid="_x0000_s1055" name="Equation" r:id="rId4" imgW="685800" imgH="241200" progId="Equation.DSMT4">
                   <p:embed/>
                 </p:oleObj>
               </mc:Choice>
@@ -3537,7 +3543,7 @@
           <a:graphicData uri="http://schemas.openxmlformats.org/presentationml/2006/ole">
             <mc:AlternateContent xmlns:mc="http://schemas.openxmlformats.org/markup-compatibility/2006">
               <mc:Choice xmlns:v="urn:schemas-microsoft-com:vml" Requires="v">
-                <p:oleObj spid="_x0000_s1046" name="Equation" r:id="rId6" imgW="723600" imgH="241200" progId="Equation.DSMT4">
+                <p:oleObj spid="_x0000_s1056" name="Equation" r:id="rId6" imgW="723600" imgH="241200" progId="Equation.DSMT4">
                   <p:embed/>
                 </p:oleObj>
               </mc:Choice>
@@ -3600,7 +3606,7 @@
           <a:graphicData uri="http://schemas.openxmlformats.org/presentationml/2006/ole">
             <mc:AlternateContent xmlns:mc="http://schemas.openxmlformats.org/markup-compatibility/2006">
               <mc:Choice xmlns:v="urn:schemas-microsoft-com:vml" Requires="v">
-                <p:oleObj spid="_x0000_s1047" name="Equation" r:id="rId8" imgW="583920" imgH="241200" progId="Equation.DSMT4">
+                <p:oleObj spid="_x0000_s1057" name="Equation" r:id="rId8" imgW="583920" imgH="241200" progId="Equation.DSMT4">
                   <p:embed/>
                 </p:oleObj>
               </mc:Choice>
@@ -3663,7 +3669,7 @@
           <a:graphicData uri="http://schemas.openxmlformats.org/presentationml/2006/ole">
             <mc:AlternateContent xmlns:mc="http://schemas.openxmlformats.org/markup-compatibility/2006">
               <mc:Choice xmlns:v="urn:schemas-microsoft-com:vml" Requires="v">
-                <p:oleObj spid="_x0000_s1048" name="Equation" r:id="rId10" imgW="660240" imgH="241200" progId="Equation.DSMT4">
+                <p:oleObj spid="_x0000_s1058" name="Equation" r:id="rId10" imgW="660240" imgH="241200" progId="Equation.DSMT4">
                   <p:embed/>
                 </p:oleObj>
               </mc:Choice>
@@ -3893,7 +3899,7 @@
           <a:graphicData uri="http://schemas.openxmlformats.org/presentationml/2006/ole">
             <mc:AlternateContent xmlns:mc="http://schemas.openxmlformats.org/markup-compatibility/2006">
               <mc:Choice xmlns:v="urn:schemas-microsoft-com:vml" Requires="v">
-                <p:oleObj spid="_x0000_s1049" name="Equation" r:id="rId13" imgW="114120" imgH="177480" progId="Equation.DSMT4">
+                <p:oleObj spid="_x0000_s1059" name="Equation" r:id="rId13" imgW="114120" imgH="177480" progId="Equation.DSMT4">
                   <p:embed/>
                 </p:oleObj>
               </mc:Choice>
@@ -3958,10 +3964,226 @@
           <a:chExt cx="0" cy="0"/>
         </a:xfrm>
       </p:grpSpPr>
+      <p:pic>
+        <p:nvPicPr>
+          <p:cNvPr id="3" name="图片 2" descr="图片包含 文字&#10;&#10;描述已自动生成">
+            <a:extLst>
+              <a:ext uri="{FF2B5EF4-FFF2-40B4-BE49-F238E27FC236}">
+                <a16:creationId xmlns:a16="http://schemas.microsoft.com/office/drawing/2014/main" id="{89E52EF8-4AC7-4378-8477-28DD7A0A5F9B}"/>
+              </a:ext>
+            </a:extLst>
+          </p:cNvPr>
+          <p:cNvPicPr>
+            <a:picLocks noChangeAspect="1"/>
+          </p:cNvPicPr>
+          <p:nvPr/>
+        </p:nvPicPr>
+        <p:blipFill>
+          <a:blip r:embed="rId3">
+            <a:extLst>
+              <a:ext uri="{28A0092B-C50C-407E-A947-70E740481C1C}">
+                <a14:useLocalDpi xmlns:a14="http://schemas.microsoft.com/office/drawing/2010/main" val="0"/>
+              </a:ext>
+            </a:extLst>
+          </a:blip>
+          <a:stretch>
+            <a:fillRect/>
+          </a:stretch>
+        </p:blipFill>
+        <p:spPr>
+          <a:xfrm>
+            <a:off x="1616531" y="-89807"/>
+            <a:ext cx="9143998" cy="6857999"/>
+          </a:xfrm>
+          <a:prstGeom prst="rect">
+            <a:avLst/>
+          </a:prstGeom>
+        </p:spPr>
+      </p:pic>
+      <p:cxnSp>
+        <p:nvCxnSpPr>
+          <p:cNvPr id="4" name="直接箭头连接符 3">
+            <a:extLst>
+              <a:ext uri="{FF2B5EF4-FFF2-40B4-BE49-F238E27FC236}">
+                <a16:creationId xmlns:a16="http://schemas.microsoft.com/office/drawing/2014/main" id="{9BFB2EF3-67D4-44BE-8745-6176D8BBCAC1}"/>
+              </a:ext>
+            </a:extLst>
+          </p:cNvPr>
+          <p:cNvCxnSpPr>
+            <a:cxnSpLocks/>
+          </p:cNvCxnSpPr>
+          <p:nvPr/>
+        </p:nvCxnSpPr>
+        <p:spPr>
+          <a:xfrm>
+            <a:off x="3747408" y="996043"/>
+            <a:ext cx="0" cy="988672"/>
+          </a:xfrm>
+          <a:prstGeom prst="straightConnector1">
+            <a:avLst/>
+          </a:prstGeom>
+          <a:ln>
+            <a:solidFill>
+              <a:srgbClr val="FF0000"/>
+            </a:solidFill>
+            <a:headEnd type="triangle"/>
+            <a:tailEnd type="triangle"/>
+          </a:ln>
+        </p:spPr>
+        <p:style>
+          <a:lnRef idx="1">
+            <a:schemeClr val="accent1"/>
+          </a:lnRef>
+          <a:fillRef idx="0">
+            <a:schemeClr val="accent1"/>
+          </a:fillRef>
+          <a:effectRef idx="0">
+            <a:schemeClr val="accent1"/>
+          </a:effectRef>
+          <a:fontRef idx="minor">
+            <a:schemeClr val="tx1"/>
+          </a:fontRef>
+        </p:style>
+      </p:cxnSp>
+      <p:graphicFrame>
+        <p:nvGraphicFramePr>
+          <p:cNvPr id="5" name="对象 4">
+            <a:extLst>
+              <a:ext uri="{FF2B5EF4-FFF2-40B4-BE49-F238E27FC236}">
+                <a16:creationId xmlns:a16="http://schemas.microsoft.com/office/drawing/2014/main" id="{831D7C38-D694-4E3C-96C3-046759FF9666}"/>
+              </a:ext>
+            </a:extLst>
+          </p:cNvPr>
+          <p:cNvGraphicFramePr>
+            <a:graphicFrameLocks noChangeAspect="1"/>
+          </p:cNvGraphicFramePr>
+          <p:nvPr>
+            <p:extLst>
+              <p:ext uri="{D42A27DB-BD31-4B8C-83A1-F6EECF244321}">
+                <p14:modId xmlns:p14="http://schemas.microsoft.com/office/powerpoint/2010/main" val="1654722230"/>
+              </p:ext>
+            </p:extLst>
+          </p:nvPr>
+        </p:nvGraphicFramePr>
+        <p:xfrm>
+          <a:off x="3788228" y="1470365"/>
+          <a:ext cx="471487" cy="227013"/>
+        </p:xfrm>
+        <a:graphic>
+          <a:graphicData uri="http://schemas.openxmlformats.org/presentationml/2006/ole">
+            <mc:AlternateContent xmlns:mc="http://schemas.openxmlformats.org/markup-compatibility/2006">
+              <mc:Choice xmlns:v="urn:schemas-microsoft-com:vml" Requires="v">
+                <p:oleObj spid="_x0000_s2051" name="Equation" r:id="rId4" imgW="368280" imgH="177480" progId="Equation.DSMT4">
+                  <p:embed/>
+                </p:oleObj>
+              </mc:Choice>
+              <mc:Fallback>
+                <p:oleObj name="Equation" r:id="rId4" imgW="368280" imgH="177480" progId="Equation.DSMT4">
+                  <p:embed/>
+                  <p:pic>
+                    <p:nvPicPr>
+                      <p:cNvPr id="34" name="对象 33">
+                        <a:extLst>
+                          <a:ext uri="{FF2B5EF4-FFF2-40B4-BE49-F238E27FC236}">
+                            <a16:creationId xmlns:a16="http://schemas.microsoft.com/office/drawing/2014/main" id="{05058879-71E8-4571-8C13-2EC0354540C6}"/>
+                          </a:ext>
+                        </a:extLst>
+                      </p:cNvPr>
+                      <p:cNvPicPr/>
+                      <p:nvPr/>
+                    </p:nvPicPr>
+                    <p:blipFill>
+                      <a:blip r:embed="rId5"/>
+                      <a:stretch>
+                        <a:fillRect/>
+                      </a:stretch>
+                    </p:blipFill>
+                    <p:spPr>
+                      <a:xfrm>
+                        <a:off x="3788228" y="1470365"/>
+                        <a:ext cx="471487" cy="227013"/>
+                      </a:xfrm>
+                      <a:prstGeom prst="rect">
+                        <a:avLst/>
+                      </a:prstGeom>
+                    </p:spPr>
+                  </p:pic>
+                </p:oleObj>
+              </mc:Fallback>
+            </mc:AlternateContent>
+          </a:graphicData>
+        </a:graphic>
+      </p:graphicFrame>
     </p:spTree>
     <p:extLst>
       <p:ext uri="{BB962C8B-B14F-4D97-AF65-F5344CB8AC3E}">
         <p14:creationId xmlns:p14="http://schemas.microsoft.com/office/powerpoint/2010/main" val="3775402997"/>
+      </p:ext>
+    </p:extLst>
+  </p:cSld>
+  <p:clrMapOvr>
+    <a:masterClrMapping/>
+  </p:clrMapOvr>
+</p:sld>
+</file>
+
+<file path=ppt/slides/slide3.xml><?xml version="1.0" encoding="utf-8"?>
+<p:sld xmlns:a="http://schemas.openxmlformats.org/drawingml/2006/main" xmlns:r="http://schemas.openxmlformats.org/officeDocument/2006/relationships" xmlns:p="http://schemas.openxmlformats.org/presentationml/2006/main">
+  <p:cSld>
+    <p:spTree>
+      <p:nvGrpSpPr>
+        <p:cNvPr id="1" name=""/>
+        <p:cNvGrpSpPr/>
+        <p:nvPr/>
+      </p:nvGrpSpPr>
+      <p:grpSpPr>
+        <a:xfrm>
+          <a:off x="0" y="0"/>
+          <a:ext cx="0" cy="0"/>
+          <a:chOff x="0" y="0"/>
+          <a:chExt cx="0" cy="0"/>
+        </a:xfrm>
+      </p:grpSpPr>
+      <p:pic>
+        <p:nvPicPr>
+          <p:cNvPr id="4" name="图片 3">
+            <a:extLst>
+              <a:ext uri="{FF2B5EF4-FFF2-40B4-BE49-F238E27FC236}">
+                <a16:creationId xmlns:a16="http://schemas.microsoft.com/office/drawing/2014/main" id="{29DA0EFD-FB08-4697-9C6A-AFF1C8113CAF}"/>
+              </a:ext>
+            </a:extLst>
+          </p:cNvPr>
+          <p:cNvPicPr>
+            <a:picLocks noChangeAspect="1"/>
+          </p:cNvPicPr>
+          <p:nvPr/>
+        </p:nvPicPr>
+        <p:blipFill>
+          <a:blip r:embed="rId2">
+            <a:extLst>
+              <a:ext uri="{28A0092B-C50C-407E-A947-70E740481C1C}">
+                <a14:useLocalDpi xmlns:a14="http://schemas.microsoft.com/office/drawing/2010/main" val="0"/>
+              </a:ext>
+            </a:extLst>
+          </a:blip>
+          <a:stretch>
+            <a:fillRect/>
+          </a:stretch>
+        </p:blipFill>
+        <p:spPr>
+          <a:xfrm>
+            <a:off x="1431473" y="8165"/>
+            <a:ext cx="9133113" cy="6849835"/>
+          </a:xfrm>
+          <a:prstGeom prst="rect">
+            <a:avLst/>
+          </a:prstGeom>
+        </p:spPr>
+      </p:pic>
+    </p:spTree>
+    <p:extLst>
+      <p:ext uri="{BB962C8B-B14F-4D97-AF65-F5344CB8AC3E}">
+        <p14:creationId xmlns:p14="http://schemas.microsoft.com/office/powerpoint/2010/main" val="464699296"/>
       </p:ext>
     </p:extLst>
   </p:cSld>

--- a/graduation_thesis/BIT-thesis-template-grd/figures/c5/c5.pptx
+++ b/graduation_thesis/BIT-thesis-template-grd/figures/c5/c5.pptx
@@ -261,7 +261,7 @@
           <a:p>
             <a:fld id="{A8F80009-123B-4441-AEF8-BE983F1542DB}" type="datetimeFigureOut">
               <a:rPr lang="zh-CN" altLang="en-US" smtClean="0"/>
-              <a:t>2020/4/5</a:t>
+              <a:t>2020/4/24</a:t>
             </a:fld>
             <a:endParaRPr lang="zh-CN" altLang="en-US"/>
           </a:p>
@@ -459,7 +459,7 @@
           <a:p>
             <a:fld id="{A8F80009-123B-4441-AEF8-BE983F1542DB}" type="datetimeFigureOut">
               <a:rPr lang="zh-CN" altLang="en-US" smtClean="0"/>
-              <a:t>2020/4/5</a:t>
+              <a:t>2020/4/24</a:t>
             </a:fld>
             <a:endParaRPr lang="zh-CN" altLang="en-US"/>
           </a:p>
@@ -667,7 +667,7 @@
           <a:p>
             <a:fld id="{A8F80009-123B-4441-AEF8-BE983F1542DB}" type="datetimeFigureOut">
               <a:rPr lang="zh-CN" altLang="en-US" smtClean="0"/>
-              <a:t>2020/4/5</a:t>
+              <a:t>2020/4/24</a:t>
             </a:fld>
             <a:endParaRPr lang="zh-CN" altLang="en-US"/>
           </a:p>
@@ -865,7 +865,7 @@
           <a:p>
             <a:fld id="{A8F80009-123B-4441-AEF8-BE983F1542DB}" type="datetimeFigureOut">
               <a:rPr lang="zh-CN" altLang="en-US" smtClean="0"/>
-              <a:t>2020/4/5</a:t>
+              <a:t>2020/4/24</a:t>
             </a:fld>
             <a:endParaRPr lang="zh-CN" altLang="en-US"/>
           </a:p>
@@ -1140,7 +1140,7 @@
           <a:p>
             <a:fld id="{A8F80009-123B-4441-AEF8-BE983F1542DB}" type="datetimeFigureOut">
               <a:rPr lang="zh-CN" altLang="en-US" smtClean="0"/>
-              <a:t>2020/4/5</a:t>
+              <a:t>2020/4/24</a:t>
             </a:fld>
             <a:endParaRPr lang="zh-CN" altLang="en-US"/>
           </a:p>
@@ -1405,7 +1405,7 @@
           <a:p>
             <a:fld id="{A8F80009-123B-4441-AEF8-BE983F1542DB}" type="datetimeFigureOut">
               <a:rPr lang="zh-CN" altLang="en-US" smtClean="0"/>
-              <a:t>2020/4/5</a:t>
+              <a:t>2020/4/24</a:t>
             </a:fld>
             <a:endParaRPr lang="zh-CN" altLang="en-US"/>
           </a:p>
@@ -1817,7 +1817,7 @@
           <a:p>
             <a:fld id="{A8F80009-123B-4441-AEF8-BE983F1542DB}" type="datetimeFigureOut">
               <a:rPr lang="zh-CN" altLang="en-US" smtClean="0"/>
-              <a:t>2020/4/5</a:t>
+              <a:t>2020/4/24</a:t>
             </a:fld>
             <a:endParaRPr lang="zh-CN" altLang="en-US"/>
           </a:p>
@@ -1958,7 +1958,7 @@
           <a:p>
             <a:fld id="{A8F80009-123B-4441-AEF8-BE983F1542DB}" type="datetimeFigureOut">
               <a:rPr lang="zh-CN" altLang="en-US" smtClean="0"/>
-              <a:t>2020/4/5</a:t>
+              <a:t>2020/4/24</a:t>
             </a:fld>
             <a:endParaRPr lang="zh-CN" altLang="en-US"/>
           </a:p>
@@ -2071,7 +2071,7 @@
           <a:p>
             <a:fld id="{A8F80009-123B-4441-AEF8-BE983F1542DB}" type="datetimeFigureOut">
               <a:rPr lang="zh-CN" altLang="en-US" smtClean="0"/>
-              <a:t>2020/4/5</a:t>
+              <a:t>2020/4/24</a:t>
             </a:fld>
             <a:endParaRPr lang="zh-CN" altLang="en-US"/>
           </a:p>
@@ -2382,7 +2382,7 @@
           <a:p>
             <a:fld id="{A8F80009-123B-4441-AEF8-BE983F1542DB}" type="datetimeFigureOut">
               <a:rPr lang="zh-CN" altLang="en-US" smtClean="0"/>
-              <a:t>2020/4/5</a:t>
+              <a:t>2020/4/24</a:t>
             </a:fld>
             <a:endParaRPr lang="zh-CN" altLang="en-US"/>
           </a:p>
@@ -2670,7 +2670,7 @@
           <a:p>
             <a:fld id="{A8F80009-123B-4441-AEF8-BE983F1542DB}" type="datetimeFigureOut">
               <a:rPr lang="zh-CN" altLang="en-US" smtClean="0"/>
-              <a:t>2020/4/5</a:t>
+              <a:t>2020/4/24</a:t>
             </a:fld>
             <a:endParaRPr lang="zh-CN" altLang="en-US"/>
           </a:p>
@@ -2911,7 +2911,7 @@
           <a:p>
             <a:fld id="{A8F80009-123B-4441-AEF8-BE983F1542DB}" type="datetimeFigureOut">
               <a:rPr lang="zh-CN" altLang="en-US" smtClean="0"/>
-              <a:t>2020/4/5</a:t>
+              <a:t>2020/4/24</a:t>
             </a:fld>
             <a:endParaRPr lang="zh-CN" altLang="en-US"/>
           </a:p>
@@ -3436,7 +3436,7 @@
           <a:graphicData uri="http://schemas.openxmlformats.org/presentationml/2006/ole">
             <mc:AlternateContent xmlns:mc="http://schemas.openxmlformats.org/markup-compatibility/2006">
               <mc:Choice xmlns:v="urn:schemas-microsoft-com:vml" Requires="v">
-                <p:oleObj spid="_x0000_s1055" name="Equation" r:id="rId4" imgW="685800" imgH="241200" progId="Equation.DSMT4">
+                <p:oleObj spid="_x0000_s1060" name="Equation" r:id="rId4" imgW="685800" imgH="241200" progId="Equation.DSMT4">
                   <p:embed/>
                 </p:oleObj>
               </mc:Choice>
@@ -3543,7 +3543,7 @@
           <a:graphicData uri="http://schemas.openxmlformats.org/presentationml/2006/ole">
             <mc:AlternateContent xmlns:mc="http://schemas.openxmlformats.org/markup-compatibility/2006">
               <mc:Choice xmlns:v="urn:schemas-microsoft-com:vml" Requires="v">
-                <p:oleObj spid="_x0000_s1056" name="Equation" r:id="rId6" imgW="723600" imgH="241200" progId="Equation.DSMT4">
+                <p:oleObj spid="_x0000_s1061" name="Equation" r:id="rId6" imgW="723600" imgH="241200" progId="Equation.DSMT4">
                   <p:embed/>
                 </p:oleObj>
               </mc:Choice>
@@ -3606,7 +3606,7 @@
           <a:graphicData uri="http://schemas.openxmlformats.org/presentationml/2006/ole">
             <mc:AlternateContent xmlns:mc="http://schemas.openxmlformats.org/markup-compatibility/2006">
               <mc:Choice xmlns:v="urn:schemas-microsoft-com:vml" Requires="v">
-                <p:oleObj spid="_x0000_s1057" name="Equation" r:id="rId8" imgW="583920" imgH="241200" progId="Equation.DSMT4">
+                <p:oleObj spid="_x0000_s1062" name="Equation" r:id="rId8" imgW="583920" imgH="241200" progId="Equation.DSMT4">
                   <p:embed/>
                 </p:oleObj>
               </mc:Choice>
@@ -3669,7 +3669,7 @@
           <a:graphicData uri="http://schemas.openxmlformats.org/presentationml/2006/ole">
             <mc:AlternateContent xmlns:mc="http://schemas.openxmlformats.org/markup-compatibility/2006">
               <mc:Choice xmlns:v="urn:schemas-microsoft-com:vml" Requires="v">
-                <p:oleObj spid="_x0000_s1058" name="Equation" r:id="rId10" imgW="660240" imgH="241200" progId="Equation.DSMT4">
+                <p:oleObj spid="_x0000_s1063" name="Equation" r:id="rId10" imgW="660240" imgH="241200" progId="Equation.DSMT4">
                   <p:embed/>
                 </p:oleObj>
               </mc:Choice>
@@ -3899,7 +3899,7 @@
           <a:graphicData uri="http://schemas.openxmlformats.org/presentationml/2006/ole">
             <mc:AlternateContent xmlns:mc="http://schemas.openxmlformats.org/markup-compatibility/2006">
               <mc:Choice xmlns:v="urn:schemas-microsoft-com:vml" Requires="v">
-                <p:oleObj spid="_x0000_s1059" name="Equation" r:id="rId13" imgW="114120" imgH="177480" progId="Equation.DSMT4">
+                <p:oleObj spid="_x0000_s1064" name="Equation" r:id="rId13" imgW="114120" imgH="177480" progId="Equation.DSMT4">
                   <p:embed/>
                 </p:oleObj>
               </mc:Choice>
@@ -4060,25 +4060,25 @@
           <p:nvPr>
             <p:extLst>
               <p:ext uri="{D42A27DB-BD31-4B8C-83A1-F6EECF244321}">
-                <p14:modId xmlns:p14="http://schemas.microsoft.com/office/powerpoint/2010/main" val="1654722230"/>
+                <p14:modId xmlns:p14="http://schemas.microsoft.com/office/powerpoint/2010/main" val="607348348"/>
               </p:ext>
             </p:extLst>
           </p:nvPr>
         </p:nvGraphicFramePr>
         <p:xfrm>
-          <a:off x="3788228" y="1470365"/>
-          <a:ext cx="471487" cy="227013"/>
+          <a:off x="3810000" y="1490663"/>
+          <a:ext cx="406400" cy="227012"/>
         </p:xfrm>
         <a:graphic>
           <a:graphicData uri="http://schemas.openxmlformats.org/presentationml/2006/ole">
             <mc:AlternateContent xmlns:mc="http://schemas.openxmlformats.org/markup-compatibility/2006">
               <mc:Choice xmlns:v="urn:schemas-microsoft-com:vml" Requires="v">
-                <p:oleObj spid="_x0000_s2051" name="Equation" r:id="rId4" imgW="368280" imgH="177480" progId="Equation.DSMT4">
+                <p:oleObj spid="_x0000_s2052" name="Equation" r:id="rId4" imgW="317160" imgH="177480" progId="Equation.DSMT4">
                   <p:embed/>
                 </p:oleObj>
               </mc:Choice>
               <mc:Fallback>
-                <p:oleObj name="Equation" r:id="rId4" imgW="368280" imgH="177480" progId="Equation.DSMT4">
+                <p:oleObj name="Equation" r:id="rId4" imgW="317160" imgH="177480" progId="Equation.DSMT4">
                   <p:embed/>
                   <p:pic>
                     <p:nvPicPr>
@@ -4100,8 +4100,8 @@
                     </p:blipFill>
                     <p:spPr>
                       <a:xfrm>
-                        <a:off x="3788228" y="1470365"/>
-                        <a:ext cx="471487" cy="227013"/>
+                        <a:off x="3810000" y="1490663"/>
+                        <a:ext cx="406400" cy="227012"/>
                       </a:xfrm>
                       <a:prstGeom prst="rect">
                         <a:avLst/>
